--- a/Part-1-型別、值與變數/Web 前端入門(一).pptx
+++ b/Part-1-型別、值與變數/Web 前端入門(一).pptx
@@ -45,8 +45,10 @@
     <p:sldId id="303" r:id="rId39"/>
     <p:sldId id="306" r:id="rId40"/>
     <p:sldId id="308" r:id="rId41"/>
-    <p:sldId id="304" r:id="rId42"/>
-    <p:sldId id="305" r:id="rId43"/>
+    <p:sldId id="310" r:id="rId42"/>
+    <p:sldId id="309" r:id="rId43"/>
+    <p:sldId id="304" r:id="rId44"/>
+    <p:sldId id="305" r:id="rId45"/>
   </p:sldIdLst>
   <p:sldSz cx="12192000" cy="6858000"/>
   <p:notesSz cx="6858000" cy="9144000"/>
@@ -875,7 +877,7 @@
           <a:p>
             <a:fld id="{F446BB86-F09E-4FED-B7A5-8D3B59B06E94}" type="datetimeFigureOut">
               <a:rPr lang="zh-TW" altLang="en-US" smtClean="0"/>
-              <a:t>2016/6/1</a:t>
+              <a:t>2016/6/2</a:t>
             </a:fld>
             <a:endParaRPr lang="zh-TW" altLang="en-US"/>
           </a:p>
@@ -1126,7 +1128,7 @@
           <a:p>
             <a:fld id="{F446BB86-F09E-4FED-B7A5-8D3B59B06E94}" type="datetimeFigureOut">
               <a:rPr lang="zh-TW" altLang="en-US" smtClean="0"/>
-              <a:t>2016/6/1</a:t>
+              <a:t>2016/6/2</a:t>
             </a:fld>
             <a:endParaRPr lang="zh-TW" altLang="en-US"/>
           </a:p>
@@ -1440,7 +1442,7 @@
           <a:p>
             <a:fld id="{F446BB86-F09E-4FED-B7A5-8D3B59B06E94}" type="datetimeFigureOut">
               <a:rPr lang="zh-TW" altLang="en-US" smtClean="0"/>
-              <a:t>2016/6/1</a:t>
+              <a:t>2016/6/2</a:t>
             </a:fld>
             <a:endParaRPr lang="zh-TW" altLang="en-US"/>
           </a:p>
@@ -1781,7 +1783,7 @@
           <a:p>
             <a:fld id="{F446BB86-F09E-4FED-B7A5-8D3B59B06E94}" type="datetimeFigureOut">
               <a:rPr lang="zh-TW" altLang="en-US" smtClean="0"/>
-              <a:t>2016/6/1</a:t>
+              <a:t>2016/6/2</a:t>
             </a:fld>
             <a:endParaRPr lang="zh-TW" altLang="en-US"/>
           </a:p>
@@ -2095,7 +2097,7 @@
           <a:p>
             <a:fld id="{F446BB86-F09E-4FED-B7A5-8D3B59B06E94}" type="datetimeFigureOut">
               <a:rPr lang="zh-TW" altLang="en-US" smtClean="0"/>
-              <a:t>2016/6/1</a:t>
+              <a:t>2016/6/2</a:t>
             </a:fld>
             <a:endParaRPr lang="zh-TW" altLang="en-US"/>
           </a:p>
@@ -2488,7 +2490,7 @@
           <a:p>
             <a:fld id="{F446BB86-F09E-4FED-B7A5-8D3B59B06E94}" type="datetimeFigureOut">
               <a:rPr lang="zh-TW" altLang="en-US" smtClean="0"/>
-              <a:t>2016/6/1</a:t>
+              <a:t>2016/6/2</a:t>
             </a:fld>
             <a:endParaRPr lang="zh-TW" altLang="en-US"/>
           </a:p>
@@ -2658,7 +2660,7 @@
           <a:p>
             <a:fld id="{F446BB86-F09E-4FED-B7A5-8D3B59B06E94}" type="datetimeFigureOut">
               <a:rPr lang="zh-TW" altLang="en-US" smtClean="0"/>
-              <a:t>2016/6/1</a:t>
+              <a:t>2016/6/2</a:t>
             </a:fld>
             <a:endParaRPr lang="zh-TW" altLang="en-US"/>
           </a:p>
@@ -2838,7 +2840,7 @@
           <a:p>
             <a:fld id="{F446BB86-F09E-4FED-B7A5-8D3B59B06E94}" type="datetimeFigureOut">
               <a:rPr lang="zh-TW" altLang="en-US" smtClean="0"/>
-              <a:t>2016/6/1</a:t>
+              <a:t>2016/6/2</a:t>
             </a:fld>
             <a:endParaRPr lang="zh-TW" altLang="en-US"/>
           </a:p>
@@ -3014,7 +3016,7 @@
           <a:p>
             <a:fld id="{F446BB86-F09E-4FED-B7A5-8D3B59B06E94}" type="datetimeFigureOut">
               <a:rPr lang="zh-TW" altLang="en-US" smtClean="0"/>
-              <a:t>2016/6/1</a:t>
+              <a:t>2016/6/2</a:t>
             </a:fld>
             <a:endParaRPr lang="zh-TW" altLang="en-US"/>
           </a:p>
@@ -3261,7 +3263,7 @@
           <a:p>
             <a:fld id="{F446BB86-F09E-4FED-B7A5-8D3B59B06E94}" type="datetimeFigureOut">
               <a:rPr lang="zh-TW" altLang="en-US" smtClean="0"/>
-              <a:t>2016/6/1</a:t>
+              <a:t>2016/6/2</a:t>
             </a:fld>
             <a:endParaRPr lang="zh-TW" altLang="en-US"/>
           </a:p>
@@ -3493,7 +3495,7 @@
           <a:p>
             <a:fld id="{F446BB86-F09E-4FED-B7A5-8D3B59B06E94}" type="datetimeFigureOut">
               <a:rPr lang="zh-TW" altLang="en-US" smtClean="0"/>
-              <a:t>2016/6/1</a:t>
+              <a:t>2016/6/2</a:t>
             </a:fld>
             <a:endParaRPr lang="zh-TW" altLang="en-US"/>
           </a:p>
@@ -3867,7 +3869,7 @@
           <a:p>
             <a:fld id="{F446BB86-F09E-4FED-B7A5-8D3B59B06E94}" type="datetimeFigureOut">
               <a:rPr lang="zh-TW" altLang="en-US" smtClean="0"/>
-              <a:t>2016/6/1</a:t>
+              <a:t>2016/6/2</a:t>
             </a:fld>
             <a:endParaRPr lang="zh-TW" altLang="en-US"/>
           </a:p>
@@ -3990,7 +3992,7 @@
           <a:p>
             <a:fld id="{F446BB86-F09E-4FED-B7A5-8D3B59B06E94}" type="datetimeFigureOut">
               <a:rPr lang="zh-TW" altLang="en-US" smtClean="0"/>
-              <a:t>2016/6/1</a:t>
+              <a:t>2016/6/2</a:t>
             </a:fld>
             <a:endParaRPr lang="zh-TW" altLang="en-US"/>
           </a:p>
@@ -4085,7 +4087,7 @@
           <a:p>
             <a:fld id="{F446BB86-F09E-4FED-B7A5-8D3B59B06E94}" type="datetimeFigureOut">
               <a:rPr lang="zh-TW" altLang="en-US" smtClean="0"/>
-              <a:t>2016/6/1</a:t>
+              <a:t>2016/6/2</a:t>
             </a:fld>
             <a:endParaRPr lang="zh-TW" altLang="en-US"/>
           </a:p>
@@ -4340,7 +4342,7 @@
           <a:p>
             <a:fld id="{F446BB86-F09E-4FED-B7A5-8D3B59B06E94}" type="datetimeFigureOut">
               <a:rPr lang="zh-TW" altLang="en-US" smtClean="0"/>
-              <a:t>2016/6/1</a:t>
+              <a:t>2016/6/2</a:t>
             </a:fld>
             <a:endParaRPr lang="zh-TW" altLang="en-US"/>
           </a:p>
@@ -4603,7 +4605,7 @@
           <a:p>
             <a:fld id="{F446BB86-F09E-4FED-B7A5-8D3B59B06E94}" type="datetimeFigureOut">
               <a:rPr lang="zh-TW" altLang="en-US" smtClean="0"/>
-              <a:t>2016/6/1</a:t>
+              <a:t>2016/6/2</a:t>
             </a:fld>
             <a:endParaRPr lang="zh-TW" altLang="en-US"/>
           </a:p>
@@ -5346,7 +5348,7 @@
           <a:p>
             <a:fld id="{F446BB86-F09E-4FED-B7A5-8D3B59B06E94}" type="datetimeFigureOut">
               <a:rPr lang="zh-TW" altLang="en-US" smtClean="0"/>
-              <a:t>2016/6/1</a:t>
+              <a:t>2016/6/2</a:t>
             </a:fld>
             <a:endParaRPr lang="zh-TW" altLang="en-US"/>
           </a:p>
@@ -6616,11 +6618,7 @@
             </a:r>
             <a:r>
               <a:rPr lang="zh-TW" altLang="en-US" smtClean="0"/>
-              <a:t> </a:t>
-            </a:r>
-            <a:r>
-              <a:rPr lang="zh-TW" altLang="en-US" smtClean="0"/>
-              <a:t>只</a:t>
+              <a:t> 只</a:t>
             </a:r>
             <a:r>
               <a:rPr lang="zh-TW" altLang="en-US"/>
@@ -7737,11 +7735,7 @@
             </a:r>
             <a:r>
               <a:rPr lang="zh-TW" altLang="en-US" smtClean="0"/>
-              <a:t> </a:t>
-            </a:r>
-            <a:r>
-              <a:rPr lang="zh-TW" altLang="en-US" smtClean="0"/>
-              <a:t>這是單行的註解 </a:t>
+              <a:t> 這是單行的註解 </a:t>
             </a:r>
             <a:r>
               <a:rPr lang="en-US" altLang="zh-TW" smtClean="0"/>
@@ -7789,11 +7783,7 @@
             </a:r>
             <a:r>
               <a:rPr lang="zh-TW" altLang="en-US" smtClean="0"/>
-              <a:t>* </a:t>
-            </a:r>
-            <a:r>
-              <a:rPr lang="zh-TW" altLang="en-US" smtClean="0"/>
-              <a:t>這還是註解</a:t>
+              <a:t>* 這還是註解</a:t>
             </a:r>
             <a:endParaRPr lang="en-US" altLang="zh-TW" smtClean="0"/>
           </a:p>
@@ -7807,11 +7797,7 @@
             </a:r>
             <a:r>
               <a:rPr lang="zh-TW" altLang="en-US" smtClean="0"/>
-              <a:t>* </a:t>
-            </a:r>
-            <a:r>
-              <a:rPr lang="zh-TW" altLang="en-US" smtClean="0"/>
-              <a:t>而且它有多行</a:t>
+              <a:t>* 而且它有多行</a:t>
             </a:r>
             <a:endParaRPr lang="en-US" altLang="zh-TW" smtClean="0"/>
           </a:p>
@@ -16064,7 +16050,6 @@
               <a:rPr lang="en-US" altLang="zh-TW" smtClean="0"/>
               <a:t>Node.js</a:t>
             </a:r>
-            <a:endParaRPr lang="en-US" altLang="zh-TW" smtClean="0"/>
           </a:p>
           <a:p>
             <a:pPr lvl="1">
@@ -16093,11 +16078,7 @@
             </a:r>
             <a:r>
               <a:rPr lang="en-US" altLang="zh-TW" smtClean="0"/>
-              <a:t>Debug </a:t>
-            </a:r>
-            <a:r>
-              <a:rPr lang="en-US" altLang="zh-TW" smtClean="0"/>
-              <a:t>Mode</a:t>
+              <a:t>Debug Mode</a:t>
             </a:r>
           </a:p>
           <a:p>
@@ -16147,11 +16128,7 @@
           <a:p>
             <a:r>
               <a:rPr lang="zh-TW" altLang="en-US" smtClean="0"/>
-              <a:t>型別、值與</a:t>
-            </a:r>
-            <a:r>
-              <a:rPr lang="zh-TW" altLang="en-US" smtClean="0"/>
-              <a:t>變數</a:t>
+              <a:t>型別、值與變數</a:t>
             </a:r>
             <a:endParaRPr lang="en-US" altLang="zh-TW" smtClean="0"/>
           </a:p>
@@ -22576,11 +22553,7 @@
             </a:r>
             <a:r>
               <a:rPr lang="en-US" altLang="zh-TW"/>
-              <a:t>(inherit</a:t>
-            </a:r>
-            <a:r>
-              <a:rPr lang="en-US" altLang="zh-TW"/>
-              <a:t>) </a:t>
+              <a:t>(inherit) </a:t>
             </a:r>
             <a:r>
               <a:rPr lang="zh-TW" altLang="en-US" smtClean="0"/>
@@ -23118,11 +23091,7 @@
             </a:pPr>
             <a:r>
               <a:rPr lang="en-US" altLang="zh-TW"/>
-              <a:t>	</a:t>
-            </a:r>
-            <a:r>
-              <a:rPr lang="en-US" altLang="zh-TW"/>
-              <a:t>i</a:t>
+              <a:t>	i</a:t>
             </a:r>
             <a:r>
               <a:rPr lang="en-US" altLang="zh-TW" smtClean="0"/>
@@ -23239,11 +23208,7 @@
             </a:r>
             <a:r>
               <a:rPr lang="en-US" altLang="zh-TW" smtClean="0"/>
-              <a:t>“Ctrl + Shift + B</a:t>
-            </a:r>
-            <a:r>
-              <a:rPr lang="en-US" altLang="zh-TW" smtClean="0"/>
-              <a:t>”</a:t>
+              <a:t>“Ctrl + Shift + B”</a:t>
             </a:r>
           </a:p>
           <a:p>
@@ -23462,12 +23427,28 @@
           <a:lstStyle/>
           <a:p>
             <a:r>
-              <a:rPr lang="zh-TW" altLang="en-US" smtClean="0"/>
-              <a:t>函式範疇 </a:t>
-            </a:r>
-            <a:r>
-              <a:rPr lang="en-US" altLang="zh-TW" smtClean="0"/>
-              <a:t>(function scope)</a:t>
+              <a:rPr lang="zh-TW" altLang="en-US"/>
+              <a:t>變數</a:t>
+            </a:r>
+            <a:r>
+              <a:rPr lang="zh-TW" altLang="en-US" smtClean="0"/>
+              <a:t>範疇 </a:t>
+            </a:r>
+            <a:r>
+              <a:rPr lang="en-US" altLang="zh-TW" smtClean="0"/>
+              <a:t>(Variable </a:t>
+            </a:r>
+            <a:r>
+              <a:rPr lang="en-US" altLang="zh-TW"/>
+              <a:t>S</a:t>
+            </a:r>
+            <a:r>
+              <a:rPr lang="en-US" altLang="zh-TW" smtClean="0"/>
+              <a:t>cope</a:t>
+            </a:r>
+            <a:r>
+              <a:rPr lang="en-US" altLang="zh-TW" smtClean="0"/>
+              <a:t>)</a:t>
             </a:r>
             <a:endParaRPr lang="zh-TW" altLang="en-US"/>
           </a:p>
@@ -23483,11 +23464,200 @@
             <p:ph idx="1"/>
           </p:nvPr>
         </p:nvSpPr>
-        <p:spPr/>
+        <p:spPr>
+          <a:xfrm>
+            <a:off x="677333" y="1863635"/>
+            <a:ext cx="8997889" cy="4177728"/>
+          </a:xfrm>
+        </p:spPr>
         <p:txBody>
-          <a:bodyPr/>
+          <a:bodyPr>
+            <a:normAutofit/>
+          </a:bodyPr>
           <a:lstStyle/>
           <a:p>
+            <a:r>
+              <a:rPr lang="zh-TW" altLang="en-US" smtClean="0"/>
+              <a:t>一個變數的範疇指的是程式原始碼中</a:t>
+            </a:r>
+            <a:r>
+              <a:rPr lang="zh-TW" altLang="en-US" smtClean="0">
+                <a:solidFill>
+                  <a:srgbClr val="0070C0"/>
+                </a:solidFill>
+              </a:rPr>
+              <a:t>有定義該變數 </a:t>
+            </a:r>
+            <a:r>
+              <a:rPr lang="en-US" altLang="zh-TW" smtClean="0"/>
+              <a:t>(</a:t>
+            </a:r>
+            <a:r>
+              <a:rPr lang="zh-TW" altLang="en-US" smtClean="0"/>
+              <a:t>或稱該變數</a:t>
+            </a:r>
+            <a:r>
+              <a:rPr lang="zh-TW" altLang="en-US" smtClean="0">
+                <a:solidFill>
+                  <a:srgbClr val="FF0000"/>
+                </a:solidFill>
+              </a:rPr>
+              <a:t>存在</a:t>
+            </a:r>
+            <a:r>
+              <a:rPr lang="en-US" altLang="zh-TW" smtClean="0"/>
+              <a:t>) </a:t>
+            </a:r>
+            <a:r>
+              <a:rPr lang="zh-TW" altLang="en-US" smtClean="0">
+                <a:solidFill>
+                  <a:srgbClr val="0070C0"/>
+                </a:solidFill>
+              </a:rPr>
+              <a:t>的區域 </a:t>
+            </a:r>
+            <a:r>
+              <a:rPr lang="en-US" altLang="zh-TW" smtClean="0"/>
+              <a:t>(region)</a:t>
+            </a:r>
+          </a:p>
+          <a:p>
+            <a:endParaRPr lang="en-US" altLang="zh-TW" smtClean="0"/>
+          </a:p>
+          <a:p>
+            <a:r>
+              <a:rPr lang="zh-TW" altLang="en-US" smtClean="0">
+                <a:solidFill>
+                  <a:srgbClr val="FF0000"/>
+                </a:solidFill>
+              </a:rPr>
+              <a:t>全域變數 </a:t>
+            </a:r>
+            <a:r>
+              <a:rPr lang="en-US" altLang="zh-TW" smtClean="0">
+                <a:solidFill>
+                  <a:srgbClr val="FF0000"/>
+                </a:solidFill>
+              </a:rPr>
+              <a:t>(Global Variable)</a:t>
+            </a:r>
+          </a:p>
+          <a:p>
+            <a:pPr lvl="1">
+              <a:buFont typeface="Wingdings" panose="05000000000000000000" pitchFamily="2" charset="2"/>
+              <a:buChar char="p"/>
+            </a:pPr>
+            <a:r>
+              <a:rPr lang="zh-TW" altLang="en-US" smtClean="0"/>
+              <a:t>擁有全域範疇 </a:t>
+            </a:r>
+            <a:r>
+              <a:rPr lang="en-US" altLang="zh-TW" smtClean="0"/>
+              <a:t>(Global Scope)</a:t>
+            </a:r>
+          </a:p>
+          <a:p>
+            <a:pPr lvl="1">
+              <a:buFont typeface="Wingdings" panose="05000000000000000000" pitchFamily="2" charset="2"/>
+              <a:buChar char="p"/>
+            </a:pPr>
+            <a:r>
+              <a:rPr lang="zh-TW" altLang="en-US" smtClean="0"/>
+              <a:t>程式碼所有範圍</a:t>
+            </a:r>
+            <a:r>
+              <a:rPr lang="zh-TW" altLang="en-US"/>
+              <a:t>皆</a:t>
+            </a:r>
+            <a:r>
+              <a:rPr lang="zh-TW" altLang="en-US" smtClean="0"/>
+              <a:t>有定義</a:t>
+            </a:r>
+            <a:endParaRPr lang="en-US" altLang="zh-TW" smtClean="0"/>
+          </a:p>
+          <a:p>
+            <a:endParaRPr lang="en-US" altLang="zh-TW" smtClean="0"/>
+          </a:p>
+          <a:p>
+            <a:r>
+              <a:rPr lang="zh-TW" altLang="en-US" smtClean="0">
+                <a:solidFill>
+                  <a:srgbClr val="FF0000"/>
+                </a:solidFill>
+              </a:rPr>
+              <a:t>區域變數 </a:t>
+            </a:r>
+            <a:r>
+              <a:rPr lang="en-US" altLang="zh-TW" smtClean="0">
+                <a:solidFill>
+                  <a:srgbClr val="FF0000"/>
+                </a:solidFill>
+              </a:rPr>
+              <a:t>(Local Variable)</a:t>
+            </a:r>
+          </a:p>
+          <a:p>
+            <a:pPr lvl="1">
+              <a:buFont typeface="Wingdings" panose="05000000000000000000" pitchFamily="2" charset="2"/>
+              <a:buChar char="p"/>
+            </a:pPr>
+            <a:r>
+              <a:rPr lang="zh-TW" altLang="en-US" smtClean="0"/>
+              <a:t>擁有區域範疇 </a:t>
+            </a:r>
+            <a:r>
+              <a:rPr lang="en-US" altLang="zh-TW" smtClean="0"/>
+              <a:t>(Local Scope)</a:t>
+            </a:r>
+          </a:p>
+          <a:p>
+            <a:pPr lvl="1">
+              <a:buFont typeface="Wingdings" panose="05000000000000000000" pitchFamily="2" charset="2"/>
+              <a:buChar char="p"/>
+            </a:pPr>
+            <a:r>
+              <a:rPr lang="zh-TW" altLang="en-US" smtClean="0"/>
+              <a:t>僅在函</a:t>
+            </a:r>
+            <a:r>
+              <a:rPr lang="zh-TW" altLang="en-US"/>
+              <a:t>式</a:t>
+            </a:r>
+            <a:r>
+              <a:rPr lang="zh-TW" altLang="en-US" smtClean="0"/>
+              <a:t>中有定義</a:t>
+            </a:r>
+            <a:endParaRPr lang="en-US" altLang="zh-TW" smtClean="0"/>
+          </a:p>
+          <a:p>
+            <a:pPr lvl="1">
+              <a:buFont typeface="Wingdings" panose="05000000000000000000" pitchFamily="2" charset="2"/>
+              <a:buChar char="p"/>
+            </a:pPr>
+            <a:r>
+              <a:rPr lang="zh-TW" altLang="en-US" smtClean="0"/>
+              <a:t>如</a:t>
+            </a:r>
+            <a:r>
+              <a:rPr lang="zh-TW" altLang="en-US"/>
+              <a:t>在</a:t>
+            </a:r>
+            <a:r>
+              <a:rPr lang="zh-TW" altLang="en-US" smtClean="0"/>
+              <a:t>函式中宣告的變數或函式的參數</a:t>
+            </a:r>
+            <a:r>
+              <a:rPr lang="zh-TW" altLang="en-US"/>
+              <a:t> </a:t>
+            </a:r>
+            <a:r>
+              <a:rPr lang="en-US" altLang="zh-TW" smtClean="0"/>
+              <a:t>(parameters</a:t>
+            </a:r>
+            <a:r>
+              <a:rPr lang="en-US" altLang="zh-TW"/>
+              <a:t>)</a:t>
+            </a:r>
             <a:endParaRPr lang="zh-TW" altLang="en-US"/>
           </a:p>
         </p:txBody>
@@ -23532,16 +23702,289 @@
             <p:ph type="title"/>
           </p:nvPr>
         </p:nvSpPr>
+        <p:spPr>
+          <a:xfrm>
+            <a:off x="677334" y="609600"/>
+            <a:ext cx="8596668" cy="809897"/>
+          </a:xfrm>
+        </p:spPr>
+        <p:txBody>
+          <a:bodyPr/>
+          <a:lstStyle/>
+          <a:p>
+            <a:r>
+              <a:rPr lang="zh-TW" altLang="en-US"/>
+              <a:t>變數範疇 </a:t>
+            </a:r>
+            <a:r>
+              <a:rPr lang="en-US" altLang="zh-TW"/>
+              <a:t>(Variable Scope)</a:t>
+            </a:r>
+            <a:endParaRPr lang="zh-TW" altLang="en-US"/>
+          </a:p>
+        </p:txBody>
+      </p:sp>
+      <p:sp>
+        <p:nvSpPr>
+          <p:cNvPr id="3" name="內容版面配置區 2"/>
+          <p:cNvSpPr>
+            <a:spLocks noGrp="1"/>
+          </p:cNvSpPr>
+          <p:nvPr>
+            <p:ph idx="1"/>
+          </p:nvPr>
+        </p:nvSpPr>
+        <p:spPr>
+          <a:xfrm>
+            <a:off x="677334" y="1524001"/>
+            <a:ext cx="8596668" cy="4517362"/>
+          </a:xfrm>
+        </p:spPr>
+        <p:txBody>
+          <a:bodyPr/>
+          <a:lstStyle/>
+          <a:p>
+            <a:r>
+              <a:rPr lang="zh-TW" altLang="en-US" smtClean="0"/>
+              <a:t>函式主體中，區域變數的優先序 </a:t>
+            </a:r>
+            <a:r>
+              <a:rPr lang="en-US" altLang="zh-TW" smtClean="0"/>
+              <a:t>(precedence) </a:t>
+            </a:r>
+            <a:r>
+              <a:rPr lang="zh-TW" altLang="en-US" smtClean="0"/>
+              <a:t>比同樣名稱的全域變數高</a:t>
+            </a:r>
+            <a:endParaRPr lang="en-US" altLang="zh-TW" smtClean="0"/>
+          </a:p>
+          <a:p>
+            <a:r>
+              <a:rPr lang="zh-TW" altLang="en-US" smtClean="0"/>
+              <a:t>使用上等同覆蓋了那個全域變數。</a:t>
+            </a:r>
+            <a:endParaRPr lang="en-US" altLang="zh-TW" smtClean="0"/>
+          </a:p>
+          <a:p>
+            <a:pPr lvl="1">
+              <a:buFont typeface="Wingdings" panose="05000000000000000000" pitchFamily="2" charset="2"/>
+              <a:buChar char="p"/>
+            </a:pPr>
+            <a:r>
+              <a:rPr lang="en-US" altLang="zh-TW" smtClean="0">
+                <a:solidFill>
+                  <a:srgbClr val="0070C0"/>
+                </a:solidFill>
+              </a:rPr>
+              <a:t>See testScope1.js</a:t>
+            </a:r>
+          </a:p>
+          <a:p>
+            <a:pPr lvl="1">
+              <a:buFont typeface="Wingdings" panose="05000000000000000000" pitchFamily="2" charset="2"/>
+              <a:buChar char="p"/>
+            </a:pPr>
+            <a:endParaRPr lang="en-US" altLang="zh-TW" smtClean="0">
+              <a:solidFill>
+                <a:srgbClr val="0070C0"/>
+              </a:solidFill>
+            </a:endParaRPr>
+          </a:p>
+          <a:p>
+            <a:r>
+              <a:rPr lang="zh-TW" altLang="en-US" smtClean="0">
+                <a:solidFill>
+                  <a:schemeClr val="tx1"/>
+                </a:solidFill>
+              </a:rPr>
+              <a:t>雖然不用</a:t>
+            </a:r>
+            <a:r>
+              <a:rPr lang="zh-TW" altLang="en-US">
+                <a:solidFill>
+                  <a:schemeClr val="tx1"/>
+                </a:solidFill>
+              </a:rPr>
+              <a:t> </a:t>
+            </a:r>
+            <a:r>
+              <a:rPr lang="en-US" altLang="zh-TW" smtClean="0">
+                <a:solidFill>
+                  <a:schemeClr val="tx1"/>
+                </a:solidFill>
+              </a:rPr>
+              <a:t>var</a:t>
+            </a:r>
+            <a:r>
+              <a:rPr lang="zh-TW" altLang="en-US" smtClean="0">
+                <a:solidFill>
+                  <a:schemeClr val="tx1"/>
+                </a:solidFill>
+              </a:rPr>
+              <a:t> 也能宣告變數，不過來看看這麼做會發生甚麼</a:t>
+            </a:r>
+            <a:r>
+              <a:rPr lang="zh-TW" altLang="en-US">
+                <a:solidFill>
+                  <a:schemeClr val="tx1"/>
+                </a:solidFill>
+              </a:rPr>
+              <a:t>事</a:t>
+            </a:r>
+            <a:endParaRPr lang="en-US" altLang="zh-TW" smtClean="0">
+              <a:solidFill>
+                <a:schemeClr val="tx1"/>
+              </a:solidFill>
+            </a:endParaRPr>
+          </a:p>
+          <a:p>
+            <a:pPr lvl="1">
+              <a:buFont typeface="Wingdings" panose="05000000000000000000" pitchFamily="2" charset="2"/>
+              <a:buChar char="p"/>
+            </a:pPr>
+            <a:r>
+              <a:rPr lang="en-US" altLang="zh-TW">
+                <a:solidFill>
+                  <a:srgbClr val="0070C0"/>
+                </a:solidFill>
+              </a:rPr>
+              <a:t>See </a:t>
+            </a:r>
+            <a:r>
+              <a:rPr lang="en-US" altLang="zh-TW" smtClean="0">
+                <a:solidFill>
+                  <a:srgbClr val="0070C0"/>
+                </a:solidFill>
+              </a:rPr>
+              <a:t>testScope2.js</a:t>
+            </a:r>
+          </a:p>
+          <a:p>
+            <a:pPr lvl="1">
+              <a:buFont typeface="Wingdings" panose="05000000000000000000" pitchFamily="2" charset="2"/>
+              <a:buChar char="p"/>
+            </a:pPr>
+            <a:endParaRPr lang="en-US" altLang="zh-TW" smtClean="0">
+              <a:solidFill>
+                <a:srgbClr val="0070C0"/>
+              </a:solidFill>
+            </a:endParaRPr>
+          </a:p>
+          <a:p>
+            <a:pPr indent="-285750"/>
+            <a:r>
+              <a:rPr lang="zh-TW" altLang="en-US" smtClean="0">
+                <a:solidFill>
+                  <a:schemeClr val="tx1"/>
+                </a:solidFill>
+              </a:rPr>
+              <a:t>函式定義可以是巢狀的 </a:t>
+            </a:r>
+            <a:r>
+              <a:rPr lang="en-US" altLang="zh-TW" smtClean="0">
+                <a:solidFill>
+                  <a:schemeClr val="tx1"/>
+                </a:solidFill>
+              </a:rPr>
+              <a:t>(nested)</a:t>
+            </a:r>
+            <a:endParaRPr lang="en-US" altLang="zh-TW">
+              <a:solidFill>
+                <a:schemeClr val="tx1"/>
+              </a:solidFill>
+            </a:endParaRPr>
+          </a:p>
+          <a:p>
+            <a:pPr indent="-285750"/>
+            <a:r>
+              <a:rPr lang="zh-TW" altLang="en-US" smtClean="0">
+                <a:solidFill>
+                  <a:schemeClr val="tx1"/>
+                </a:solidFill>
+              </a:rPr>
+              <a:t>每個函式都有自己的區域範疇，所以能有好幾層巢狀的區域範疇</a:t>
+            </a:r>
+            <a:endParaRPr lang="zh-TW" altLang="en-US">
+              <a:solidFill>
+                <a:schemeClr val="tx1"/>
+              </a:solidFill>
+            </a:endParaRPr>
+          </a:p>
+          <a:p>
+            <a:pPr lvl="1">
+              <a:buFont typeface="Wingdings" panose="05000000000000000000" pitchFamily="2" charset="2"/>
+              <a:buChar char="p"/>
+            </a:pPr>
+            <a:r>
+              <a:rPr lang="en-US" altLang="zh-TW" smtClean="0">
+                <a:solidFill>
+                  <a:srgbClr val="0070C0"/>
+                </a:solidFill>
+              </a:rPr>
+              <a:t>See testScope3.js</a:t>
+            </a:r>
+            <a:endParaRPr lang="zh-TW" altLang="en-US">
+              <a:solidFill>
+                <a:srgbClr val="0070C0"/>
+              </a:solidFill>
+            </a:endParaRPr>
+          </a:p>
+        </p:txBody>
+      </p:sp>
+    </p:spTree>
+    <p:extLst>
+      <p:ext uri="{BB962C8B-B14F-4D97-AF65-F5344CB8AC3E}">
+        <p14:creationId xmlns:p14="http://schemas.microsoft.com/office/powerpoint/2010/main" val="741379436"/>
+      </p:ext>
+    </p:extLst>
+  </p:cSld>
+  <p:clrMapOvr>
+    <a:masterClrMapping/>
+  </p:clrMapOvr>
+</p:sld>
+</file>
+
+<file path=ppt/slides/slide42.xml><?xml version="1.0" encoding="utf-8"?>
+<p:sld xmlns:a="http://schemas.openxmlformats.org/drawingml/2006/main" xmlns:r="http://schemas.openxmlformats.org/officeDocument/2006/relationships" xmlns:p="http://schemas.openxmlformats.org/presentationml/2006/main">
+  <p:cSld>
+    <p:spTree>
+      <p:nvGrpSpPr>
+        <p:cNvPr id="1" name=""/>
+        <p:cNvGrpSpPr/>
+        <p:nvPr/>
+      </p:nvGrpSpPr>
+      <p:grpSpPr>
+        <a:xfrm>
+          <a:off x="0" y="0"/>
+          <a:ext cx="0" cy="0"/>
+          <a:chOff x="0" y="0"/>
+          <a:chExt cx="0" cy="0"/>
+        </a:xfrm>
+      </p:grpSpPr>
+      <p:sp>
+        <p:nvSpPr>
+          <p:cNvPr id="2" name="標題 1"/>
+          <p:cNvSpPr>
+            <a:spLocks noGrp="1"/>
+          </p:cNvSpPr>
+          <p:nvPr>
+            <p:ph type="title"/>
+          </p:nvPr>
+        </p:nvSpPr>
         <p:spPr/>
         <p:txBody>
           <a:bodyPr/>
           <a:lstStyle/>
           <a:p>
             <a:r>
-              <a:rPr lang="zh-TW" altLang="en-US" dirty="0" smtClean="0"/>
-              <a:t>參考網址</a:t>
-            </a:r>
-            <a:endParaRPr lang="zh-TW" altLang="en-US" dirty="0"/>
+              <a:rPr lang="zh-TW" altLang="en-US" smtClean="0"/>
+              <a:t>函式範疇 </a:t>
+            </a:r>
+            <a:r>
+              <a:rPr lang="en-US" altLang="zh-TW" smtClean="0"/>
+              <a:t>(function scope)</a:t>
+            </a:r>
+            <a:endParaRPr lang="zh-TW" altLang="en-US"/>
           </a:p>
         </p:txBody>
       </p:sp>
@@ -23560,6 +24003,78 @@
           <a:bodyPr/>
           <a:lstStyle/>
           <a:p>
+            <a:endParaRPr lang="zh-TW" altLang="en-US"/>
+          </a:p>
+        </p:txBody>
+      </p:sp>
+    </p:spTree>
+    <p:extLst>
+      <p:ext uri="{BB962C8B-B14F-4D97-AF65-F5344CB8AC3E}">
+        <p14:creationId xmlns:p14="http://schemas.microsoft.com/office/powerpoint/2010/main" val="2227625397"/>
+      </p:ext>
+    </p:extLst>
+  </p:cSld>
+  <p:clrMapOvr>
+    <a:masterClrMapping/>
+  </p:clrMapOvr>
+</p:sld>
+</file>
+
+<file path=ppt/slides/slide43.xml><?xml version="1.0" encoding="utf-8"?>
+<p:sld xmlns:a="http://schemas.openxmlformats.org/drawingml/2006/main" xmlns:r="http://schemas.openxmlformats.org/officeDocument/2006/relationships" xmlns:p="http://schemas.openxmlformats.org/presentationml/2006/main">
+  <p:cSld>
+    <p:spTree>
+      <p:nvGrpSpPr>
+        <p:cNvPr id="1" name=""/>
+        <p:cNvGrpSpPr/>
+        <p:nvPr/>
+      </p:nvGrpSpPr>
+      <p:grpSpPr>
+        <a:xfrm>
+          <a:off x="0" y="0"/>
+          <a:ext cx="0" cy="0"/>
+          <a:chOff x="0" y="0"/>
+          <a:chExt cx="0" cy="0"/>
+        </a:xfrm>
+      </p:grpSpPr>
+      <p:sp>
+        <p:nvSpPr>
+          <p:cNvPr id="2" name="標題 1"/>
+          <p:cNvSpPr>
+            <a:spLocks noGrp="1"/>
+          </p:cNvSpPr>
+          <p:nvPr>
+            <p:ph type="title"/>
+          </p:nvPr>
+        </p:nvSpPr>
+        <p:spPr/>
+        <p:txBody>
+          <a:bodyPr/>
+          <a:lstStyle/>
+          <a:p>
+            <a:r>
+              <a:rPr lang="zh-TW" altLang="en-US" dirty="0" smtClean="0"/>
+              <a:t>參考網址</a:t>
+            </a:r>
+            <a:endParaRPr lang="zh-TW" altLang="en-US" dirty="0"/>
+          </a:p>
+        </p:txBody>
+      </p:sp>
+      <p:sp>
+        <p:nvSpPr>
+          <p:cNvPr id="3" name="內容版面配置區 2"/>
+          <p:cNvSpPr>
+            <a:spLocks noGrp="1"/>
+          </p:cNvSpPr>
+          <p:nvPr>
+            <p:ph idx="1"/>
+          </p:nvPr>
+        </p:nvSpPr>
+        <p:spPr/>
+        <p:txBody>
+          <a:bodyPr/>
+          <a:lstStyle/>
+          <a:p>
             <a:r>
               <a:rPr lang="en-US" altLang="zh-TW" b="1" smtClean="0">
                 <a:hlinkClick r:id="rId2"/>
@@ -23717,7 +24232,7 @@
 </p:sld>
 </file>
 
-<file path=ppt/slides/slide42.xml><?xml version="1.0" encoding="utf-8"?>
+<file path=ppt/slides/slide44.xml><?xml version="1.0" encoding="utf-8"?>
 <p:sld xmlns:a="http://schemas.openxmlformats.org/drawingml/2006/main" xmlns:r="http://schemas.openxmlformats.org/officeDocument/2006/relationships" xmlns:p="http://schemas.openxmlformats.org/presentationml/2006/main">
   <p:cSld>
     <p:spTree>
